--- a/project/docs/cbMDP_DAN_backup.pptx
+++ b/project/docs/cbMDP_DAN_backup.pptx
@@ -5,7 +5,7 @@
     <p:sldMasterId id="2147483648" r:id="rId1"/>
   </p:sldMasterIdLst>
   <p:notesMasterIdLst>
-    <p:notesMasterId r:id="rId11"/>
+    <p:notesMasterId r:id="rId14"/>
   </p:notesMasterIdLst>
   <p:sldIdLst>
     <p:sldId id="326" r:id="rId2"/>
@@ -17,6 +17,9 @@
     <p:sldId id="332" r:id="rId8"/>
     <p:sldId id="333" r:id="rId9"/>
     <p:sldId id="334" r:id="rId10"/>
+    <p:sldId id="335" r:id="rId11"/>
+    <p:sldId id="336" r:id="rId12"/>
+    <p:sldId id="337" r:id="rId13"/>
   </p:sldIdLst>
   <p:sldSz cx="12192000" cy="6858000"/>
   <p:notesSz cx="6858000" cy="9144000"/>
@@ -141,6 +144,9 @@
             <p14:sldId id="332"/>
             <p14:sldId id="333"/>
             <p14:sldId id="334"/>
+            <p14:sldId id="335"/>
+            <p14:sldId id="336"/>
+            <p14:sldId id="337"/>
           </p14:sldIdLst>
         </p14:section>
       </p14:sectionLst>
@@ -240,7 +246,7 @@
           <a:p>
             <a:fld id="{7A48502C-62B7-4354-8386-9460B48F9555}" type="datetimeFigureOut">
               <a:rPr lang="en-IL" smtClean="0"/>
-              <a:t>07/06/2022</a:t>
+              <a:t>08/06/2022</a:t>
             </a:fld>
             <a:endParaRPr lang="en-IL"/>
           </a:p>
@@ -741,7 +747,7 @@
           <a:p>
             <a:fld id="{CD58A1FB-453A-4C06-8A8F-212EA91A08F3}" type="datetime8">
               <a:rPr lang="en-IL" smtClean="0"/>
-              <a:t>07/06/2022 12:37</a:t>
+              <a:t>08/06/2022 8:49</a:t>
             </a:fld>
             <a:endParaRPr lang="en-IL"/>
           </a:p>
@@ -941,7 +947,7 @@
           <a:p>
             <a:fld id="{BBC42D46-953D-4093-8E5E-3186632D28E1}" type="datetime8">
               <a:rPr lang="en-IL" smtClean="0"/>
-              <a:t>07/06/2022 12:37</a:t>
+              <a:t>08/06/2022 8:49</a:t>
             </a:fld>
             <a:endParaRPr lang="en-IL"/>
           </a:p>
@@ -1151,7 +1157,7 @@
           <a:p>
             <a:fld id="{7E6353A2-59D4-452B-A69D-CB052AA16907}" type="datetime8">
               <a:rPr lang="en-IL" smtClean="0"/>
-              <a:t>07/06/2022 12:37</a:t>
+              <a:t>08/06/2022 8:49</a:t>
             </a:fld>
             <a:endParaRPr lang="en-IL"/>
           </a:p>
@@ -1351,7 +1357,7 @@
           <a:p>
             <a:fld id="{EDF3C340-9F2C-4C46-9386-7AF4D5BFA317}" type="datetime8">
               <a:rPr lang="en-IL" smtClean="0"/>
-              <a:t>07/06/2022 12:37</a:t>
+              <a:t>08/06/2022 8:49</a:t>
             </a:fld>
             <a:endParaRPr lang="en-IL"/>
           </a:p>
@@ -1627,7 +1633,7 @@
           <a:p>
             <a:fld id="{A0EA2B1B-1765-4C52-8046-832DFFEC5B33}" type="datetime8">
               <a:rPr lang="en-IL" smtClean="0"/>
-              <a:t>07/06/2022 12:37</a:t>
+              <a:t>08/06/2022 8:49</a:t>
             </a:fld>
             <a:endParaRPr lang="en-IL"/>
           </a:p>
@@ -1895,7 +1901,7 @@
           <a:p>
             <a:fld id="{4D7821B8-2EFD-46F5-B2B4-F6D7FFB0A1FB}" type="datetime8">
               <a:rPr lang="en-IL" smtClean="0"/>
-              <a:t>07/06/2022 12:37</a:t>
+              <a:t>08/06/2022 8:49</a:t>
             </a:fld>
             <a:endParaRPr lang="en-IL"/>
           </a:p>
@@ -2310,7 +2316,7 @@
           <a:p>
             <a:fld id="{8BDAC509-8313-4D34-A5E4-190FBA890714}" type="datetime8">
               <a:rPr lang="en-IL" smtClean="0"/>
-              <a:t>07/06/2022 12:37</a:t>
+              <a:t>08/06/2022 8:49</a:t>
             </a:fld>
             <a:endParaRPr lang="en-IL"/>
           </a:p>
@@ -2452,7 +2458,7 @@
           <a:p>
             <a:fld id="{A343688F-81F2-4DF7-8A63-9388C228F82F}" type="datetime8">
               <a:rPr lang="en-IL" smtClean="0"/>
-              <a:t>07/06/2022 12:37</a:t>
+              <a:t>08/06/2022 8:49</a:t>
             </a:fld>
             <a:endParaRPr lang="en-IL"/>
           </a:p>
@@ -2565,7 +2571,7 @@
           <a:p>
             <a:fld id="{D89F33E2-9BCE-4CAF-947E-F2E3502203AF}" type="datetime8">
               <a:rPr lang="en-IL" smtClean="0"/>
-              <a:t>07/06/2022 12:37</a:t>
+              <a:t>08/06/2022 8:49</a:t>
             </a:fld>
             <a:endParaRPr lang="en-IL"/>
           </a:p>
@@ -2878,7 +2884,7 @@
           <a:p>
             <a:fld id="{C82FFF50-B0A3-4D7F-9A0A-2BF17ADCD2E3}" type="datetime8">
               <a:rPr lang="en-IL" smtClean="0"/>
-              <a:t>07/06/2022 12:37</a:t>
+              <a:t>08/06/2022 8:49</a:t>
             </a:fld>
             <a:endParaRPr lang="en-IL"/>
           </a:p>
@@ -3167,7 +3173,7 @@
           <a:p>
             <a:fld id="{0F50824E-E528-4343-A440-FC331B536273}" type="datetime8">
               <a:rPr lang="en-IL" smtClean="0"/>
-              <a:t>07/06/2022 12:37</a:t>
+              <a:t>08/06/2022 8:49</a:t>
             </a:fld>
             <a:endParaRPr lang="en-IL"/>
           </a:p>
@@ -3410,7 +3416,7 @@
           <a:p>
             <a:fld id="{438DBB54-1346-421F-A1A2-17A7AD885EF8}" type="datetime8">
               <a:rPr lang="en-IL" smtClean="0"/>
-              <a:t>07/06/2022 12:37</a:t>
+              <a:t>08/06/2022 8:49</a:t>
             </a:fld>
             <a:endParaRPr lang="en-IL"/>
           </a:p>
@@ -4117,6 +4123,742 @@
 </p:sld>
 </file>
 
+<file path=ppt/slides/slide10.xml><?xml version="1.0" encoding="utf-8"?>
+<p:sld xmlns:a="http://schemas.openxmlformats.org/drawingml/2006/main" xmlns:r="http://schemas.openxmlformats.org/officeDocument/2006/relationships" xmlns:p="http://schemas.openxmlformats.org/presentationml/2006/main">
+  <p:cSld>
+    <p:spTree>
+      <p:nvGrpSpPr>
+        <p:cNvPr id="1" name=""/>
+        <p:cNvGrpSpPr/>
+        <p:nvPr/>
+      </p:nvGrpSpPr>
+      <p:grpSpPr>
+        <a:xfrm>
+          <a:off x="0" y="0"/>
+          <a:ext cx="0" cy="0"/>
+          <a:chOff x="0" y="0"/>
+          <a:chExt cx="0" cy="0"/>
+        </a:xfrm>
+      </p:grpSpPr>
+      <p:sp>
+        <p:nvSpPr>
+          <p:cNvPr id="2" name="Title 1">
+            <a:extLst>
+              <a:ext uri="{FF2B5EF4-FFF2-40B4-BE49-F238E27FC236}">
+                <a16:creationId xmlns:a16="http://schemas.microsoft.com/office/drawing/2014/main" id="{39E8A6B5-41CC-60AB-D9FD-47872C3722A6}"/>
+              </a:ext>
+            </a:extLst>
+          </p:cNvPr>
+          <p:cNvSpPr>
+            <a:spLocks noGrp="1"/>
+          </p:cNvSpPr>
+          <p:nvPr>
+            <p:ph type="title"/>
+          </p:nvPr>
+        </p:nvSpPr>
+        <p:spPr/>
+        <p:txBody>
+          <a:bodyPr/>
+          <a:lstStyle/>
+          <a:p>
+            <a:pPr algn="ctr"/>
+            <a:r>
+              <a:rPr lang="en-US" dirty="0"/>
+              <a:t>Planning in the GBS</a:t>
+            </a:r>
+            <a:endParaRPr lang="en-IL" dirty="0"/>
+          </a:p>
+        </p:txBody>
+      </p:sp>
+      <p:sp>
+        <p:nvSpPr>
+          <p:cNvPr id="3" name="Content Placeholder 2">
+            <a:extLst>
+              <a:ext uri="{FF2B5EF4-FFF2-40B4-BE49-F238E27FC236}">
+                <a16:creationId xmlns:a16="http://schemas.microsoft.com/office/drawing/2014/main" id="{539DCCCC-482E-735A-B371-7480405887BF}"/>
+              </a:ext>
+            </a:extLst>
+          </p:cNvPr>
+          <p:cNvSpPr>
+            <a:spLocks noGrp="1"/>
+          </p:cNvSpPr>
+          <p:nvPr>
+            <p:ph idx="1"/>
+          </p:nvPr>
+        </p:nvSpPr>
+        <p:spPr/>
+        <p:txBody>
+          <a:bodyPr/>
+          <a:lstStyle/>
+          <a:p>
+            <a:r>
+              <a:rPr lang="en-US" dirty="0"/>
+              <a:t>The expectation is a linear operator so we can rewrite the objective function as:</a:t>
+            </a:r>
+          </a:p>
+          <a:p>
+            <a:endParaRPr lang="en-US" dirty="0"/>
+          </a:p>
+          <a:p>
+            <a:endParaRPr lang="en-US" dirty="0"/>
+          </a:p>
+          <a:p>
+            <a:endParaRPr lang="en-US" dirty="0"/>
+          </a:p>
+          <a:p>
+            <a:r>
+              <a:rPr lang="en-US" dirty="0"/>
+              <a:t>In order to optimize the objective function ,as written in the paper, we resort to an iterative optimization approach, starting from known initial guess on the controls. </a:t>
+            </a:r>
+          </a:p>
+          <a:p>
+            <a:pPr marL="0" indent="0">
+              <a:buNone/>
+            </a:pPr>
+            <a:endParaRPr lang="en-US" dirty="0"/>
+          </a:p>
+          <a:p>
+            <a:pPr marL="0" indent="0">
+              <a:buNone/>
+            </a:pPr>
+            <a:endParaRPr lang="en-IL" b="1" dirty="0"/>
+          </a:p>
+        </p:txBody>
+      </p:sp>
+      <p:sp>
+        <p:nvSpPr>
+          <p:cNvPr id="4" name="Slide Number Placeholder 3">
+            <a:extLst>
+              <a:ext uri="{FF2B5EF4-FFF2-40B4-BE49-F238E27FC236}">
+                <a16:creationId xmlns:a16="http://schemas.microsoft.com/office/drawing/2014/main" id="{F4C28F9E-EB89-1A17-3B39-7F48097BDA94}"/>
+              </a:ext>
+            </a:extLst>
+          </p:cNvPr>
+          <p:cNvSpPr>
+            <a:spLocks noGrp="1"/>
+          </p:cNvSpPr>
+          <p:nvPr>
+            <p:ph type="sldNum" sz="quarter" idx="12"/>
+          </p:nvPr>
+        </p:nvSpPr>
+        <p:spPr/>
+        <p:txBody>
+          <a:bodyPr/>
+          <a:lstStyle/>
+          <a:p>
+            <a:fld id="{16DBD0CC-423F-4B58-AFF5-83B6DD233671}" type="slidenum">
+              <a:rPr lang="en-IL" smtClean="0"/>
+              <a:t>10</a:t>
+            </a:fld>
+            <a:endParaRPr lang="en-IL"/>
+          </a:p>
+        </p:txBody>
+      </p:sp>
+      <p:pic>
+        <p:nvPicPr>
+          <p:cNvPr id="6" name="Picture 5">
+            <a:extLst>
+              <a:ext uri="{FF2B5EF4-FFF2-40B4-BE49-F238E27FC236}">
+                <a16:creationId xmlns:a16="http://schemas.microsoft.com/office/drawing/2014/main" id="{9F7A27CB-7C65-FDAC-2002-0FDCC786AEF5}"/>
+              </a:ext>
+            </a:extLst>
+          </p:cNvPr>
+          <p:cNvPicPr>
+            <a:picLocks noChangeAspect="1"/>
+          </p:cNvPicPr>
+          <p:nvPr/>
+        </p:nvPicPr>
+        <p:blipFill>
+          <a:blip r:embed="rId2"/>
+          <a:stretch>
+            <a:fillRect/>
+          </a:stretch>
+        </p:blipFill>
+        <p:spPr>
+          <a:xfrm>
+            <a:off x="683078" y="2890222"/>
+            <a:ext cx="10825843" cy="1077556"/>
+          </a:xfrm>
+          <a:prstGeom prst="rect">
+            <a:avLst/>
+          </a:prstGeom>
+        </p:spPr>
+      </p:pic>
+    </p:spTree>
+    <p:extLst>
+      <p:ext uri="{BB962C8B-B14F-4D97-AF65-F5344CB8AC3E}">
+        <p14:creationId xmlns:p14="http://schemas.microsoft.com/office/powerpoint/2010/main" val="2271921441"/>
+      </p:ext>
+    </p:extLst>
+  </p:cSld>
+  <p:clrMapOvr>
+    <a:masterClrMapping/>
+  </p:clrMapOvr>
+</p:sld>
+</file>
+
+<file path=ppt/slides/slide11.xml><?xml version="1.0" encoding="utf-8"?>
+<p:sld xmlns:a="http://schemas.openxmlformats.org/drawingml/2006/main" xmlns:r="http://schemas.openxmlformats.org/officeDocument/2006/relationships" xmlns:p="http://schemas.openxmlformats.org/presentationml/2006/main">
+  <p:cSld>
+    <p:spTree>
+      <p:nvGrpSpPr>
+        <p:cNvPr id="1" name=""/>
+        <p:cNvGrpSpPr/>
+        <p:nvPr/>
+      </p:nvGrpSpPr>
+      <p:grpSpPr>
+        <a:xfrm>
+          <a:off x="0" y="0"/>
+          <a:ext cx="0" cy="0"/>
+          <a:chOff x="0" y="0"/>
+          <a:chExt cx="0" cy="0"/>
+        </a:xfrm>
+      </p:grpSpPr>
+      <p:sp>
+        <p:nvSpPr>
+          <p:cNvPr id="2" name="Title 1">
+            <a:extLst>
+              <a:ext uri="{FF2B5EF4-FFF2-40B4-BE49-F238E27FC236}">
+                <a16:creationId xmlns:a16="http://schemas.microsoft.com/office/drawing/2014/main" id="{6D944D1A-365C-2CF5-6A2E-A22A4D522F3C}"/>
+              </a:ext>
+            </a:extLst>
+          </p:cNvPr>
+          <p:cNvSpPr>
+            <a:spLocks noGrp="1"/>
+          </p:cNvSpPr>
+          <p:nvPr>
+            <p:ph type="title"/>
+          </p:nvPr>
+        </p:nvSpPr>
+        <p:spPr/>
+        <p:txBody>
+          <a:bodyPr/>
+          <a:lstStyle/>
+          <a:p>
+            <a:pPr algn="ctr"/>
+            <a:r>
+              <a:rPr lang="en-US" dirty="0"/>
+              <a:t>Planning in the GBS</a:t>
+            </a:r>
+            <a:endParaRPr lang="en-IL" dirty="0"/>
+          </a:p>
+        </p:txBody>
+      </p:sp>
+      <mc:AlternateContent xmlns:mc="http://schemas.openxmlformats.org/markup-compatibility/2006">
+        <mc:Choice xmlns:a14="http://schemas.microsoft.com/office/drawing/2010/main" Requires="a14">
+          <p:sp>
+            <p:nvSpPr>
+              <p:cNvPr id="3" name="Content Placeholder 2">
+                <a:extLst>
+                  <a:ext uri="{FF2B5EF4-FFF2-40B4-BE49-F238E27FC236}">
+                    <a16:creationId xmlns:a16="http://schemas.microsoft.com/office/drawing/2014/main" id="{AE791EB0-B81A-6640-E5E3-13F40A6910D6}"/>
+                  </a:ext>
+                </a:extLst>
+              </p:cNvPr>
+              <p:cNvSpPr>
+                <a:spLocks noGrp="1"/>
+              </p:cNvSpPr>
+              <p:nvPr>
+                <p:ph idx="1"/>
+              </p:nvPr>
+            </p:nvSpPr>
+            <p:spPr>
+              <a:xfrm>
+                <a:off x="838200" y="1419251"/>
+                <a:ext cx="10515600" cy="4351338"/>
+              </a:xfrm>
+            </p:spPr>
+            <p:txBody>
+              <a:bodyPr/>
+              <a:lstStyle/>
+              <a:p>
+                <a:r>
+                  <a:rPr lang="en-US" dirty="0"/>
+                  <a:t>The optimization approach can be described as a dual-layer inference:</a:t>
+                </a:r>
+              </a:p>
+              <a:p>
+                <a:pPr lvl="1"/>
+                <a:r>
+                  <a:rPr lang="en-US" sz="2000" dirty="0"/>
+                  <a:t>The inner layer preforms inference to calculate the generalized belief </a:t>
+                </a:r>
+                <a14:m>
+                  <m:oMath xmlns:m="http://schemas.openxmlformats.org/officeDocument/2006/math">
+                    <m:r>
+                      <a:rPr lang="en-US" sz="2000" b="0" i="1" smtClean="0">
+                        <a:latin typeface="Cambria Math" panose="02040503050406030204" pitchFamily="18" charset="0"/>
+                      </a:rPr>
+                      <m:t>𝑔𝑏</m:t>
+                    </m:r>
+                    <m:d>
+                      <m:dPr>
+                        <m:ctrlPr>
+                          <a:rPr lang="en-US" sz="2000" b="0" i="1" smtClean="0">
+                            <a:latin typeface="Cambria Math" panose="02040503050406030204" pitchFamily="18" charset="0"/>
+                          </a:rPr>
+                        </m:ctrlPr>
+                      </m:dPr>
+                      <m:e>
+                        <m:sSub>
+                          <m:sSubPr>
+                            <m:ctrlPr>
+                              <a:rPr lang="en-US" sz="2000" b="0" i="1" smtClean="0">
+                                <a:latin typeface="Cambria Math" panose="02040503050406030204" pitchFamily="18" charset="0"/>
+                              </a:rPr>
+                            </m:ctrlPr>
+                          </m:sSubPr>
+                          <m:e>
+                            <m:r>
+                              <a:rPr lang="en-US" sz="2000" b="0" i="1" smtClean="0">
+                                <a:latin typeface="Cambria Math" panose="02040503050406030204" pitchFamily="18" charset="0"/>
+                              </a:rPr>
+                              <m:t>𝑋</m:t>
+                            </m:r>
+                          </m:e>
+                          <m:sub>
+                            <m:r>
+                              <a:rPr lang="en-US" sz="2000" b="0" i="1" smtClean="0">
+                                <a:latin typeface="Cambria Math" panose="02040503050406030204" pitchFamily="18" charset="0"/>
+                              </a:rPr>
+                              <m:t>𝑘</m:t>
+                            </m:r>
+                            <m:r>
+                              <a:rPr lang="en-US" sz="2000" b="0" i="1" smtClean="0">
+                                <a:latin typeface="Cambria Math" panose="02040503050406030204" pitchFamily="18" charset="0"/>
+                              </a:rPr>
+                              <m:t>+</m:t>
+                            </m:r>
+                            <m:r>
+                              <a:rPr lang="en-US" sz="2000" b="0" i="1" smtClean="0">
+                                <a:latin typeface="Cambria Math" panose="02040503050406030204" pitchFamily="18" charset="0"/>
+                              </a:rPr>
+                              <m:t>𝑙</m:t>
+                            </m:r>
+                          </m:sub>
+                        </m:sSub>
+                      </m:e>
+                    </m:d>
+                    <m:r>
+                      <a:rPr lang="en-US" sz="2000" b="0" i="1" smtClean="0">
+                        <a:latin typeface="Cambria Math" panose="02040503050406030204" pitchFamily="18" charset="0"/>
+                      </a:rPr>
+                      <m:t>, </m:t>
+                    </m:r>
+                  </m:oMath>
+                </a14:m>
+                <a:r>
+                  <a:rPr lang="en-US" sz="2000" dirty="0"/>
+                  <a:t>at each of the look ahead steps for given </a:t>
+                </a:r>
+                <a14:m>
+                  <m:oMath xmlns:m="http://schemas.openxmlformats.org/officeDocument/2006/math">
+                    <m:sSub>
+                      <m:sSubPr>
+                        <m:ctrlPr>
+                          <a:rPr lang="en-US" sz="2000" i="1">
+                            <a:latin typeface="Cambria Math" panose="02040503050406030204" pitchFamily="18" charset="0"/>
+                          </a:rPr>
+                        </m:ctrlPr>
+                      </m:sSubPr>
+                      <m:e>
+                        <m:r>
+                          <a:rPr lang="en-US" sz="2000">
+                            <a:latin typeface="Cambria Math" panose="02040503050406030204" pitchFamily="18" charset="0"/>
+                          </a:rPr>
+                          <m:t>𝑢</m:t>
+                        </m:r>
+                      </m:e>
+                      <m:sub>
+                        <m:r>
+                          <a:rPr lang="en-US" sz="2000">
+                            <a:latin typeface="Cambria Math" panose="02040503050406030204" pitchFamily="18" charset="0"/>
+                          </a:rPr>
+                          <m:t>𝑘</m:t>
+                        </m:r>
+                        <m:r>
+                          <a:rPr lang="en-US" sz="2000">
+                            <a:latin typeface="Cambria Math" panose="02040503050406030204" pitchFamily="18" charset="0"/>
+                          </a:rPr>
+                          <m:t>:</m:t>
+                        </m:r>
+                        <m:r>
+                          <a:rPr lang="en-US" sz="2000">
+                            <a:latin typeface="Cambria Math" panose="02040503050406030204" pitchFamily="18" charset="0"/>
+                          </a:rPr>
+                          <m:t>𝑘</m:t>
+                        </m:r>
+                        <m:r>
+                          <a:rPr lang="en-US" sz="2000">
+                            <a:latin typeface="Cambria Math" panose="02040503050406030204" pitchFamily="18" charset="0"/>
+                          </a:rPr>
+                          <m:t>+</m:t>
+                        </m:r>
+                        <m:r>
+                          <a:rPr lang="en-US" sz="2000">
+                            <a:latin typeface="Cambria Math" panose="02040503050406030204" pitchFamily="18" charset="0"/>
+                          </a:rPr>
+                          <m:t>𝐿</m:t>
+                        </m:r>
+                        <m:r>
+                          <a:rPr lang="en-US" sz="2000">
+                            <a:latin typeface="Cambria Math" panose="02040503050406030204" pitchFamily="18" charset="0"/>
+                          </a:rPr>
+                          <m:t>−</m:t>
+                        </m:r>
+                        <m:r>
+                          <a:rPr lang="en-US" sz="2000">
+                            <a:latin typeface="Cambria Math" panose="02040503050406030204" pitchFamily="18" charset="0"/>
+                          </a:rPr>
+                          <m:t>1</m:t>
+                        </m:r>
+                      </m:sub>
+                    </m:sSub>
+                  </m:oMath>
+                </a14:m>
+                <a:endParaRPr lang="en-US" sz="2000" dirty="0"/>
+              </a:p>
+              <a:p>
+                <a:pPr lvl="1"/>
+                <a:r>
+                  <a:rPr lang="en-US" sz="2000" dirty="0"/>
+                  <a:t>The outer layer preforms inference over the control </a:t>
+                </a:r>
+                <a14:m>
+                  <m:oMath xmlns:m="http://schemas.openxmlformats.org/officeDocument/2006/math">
+                    <m:sSub>
+                      <m:sSubPr>
+                        <m:ctrlPr>
+                          <a:rPr lang="en-US" sz="2000" b="0" i="1" smtClean="0">
+                            <a:latin typeface="Cambria Math" panose="02040503050406030204" pitchFamily="18" charset="0"/>
+                          </a:rPr>
+                        </m:ctrlPr>
+                      </m:sSubPr>
+                      <m:e>
+                        <m:r>
+                          <a:rPr lang="en-US" sz="2000" b="0" i="1" smtClean="0">
+                            <a:latin typeface="Cambria Math" panose="02040503050406030204" pitchFamily="18" charset="0"/>
+                          </a:rPr>
+                          <m:t>𝑢</m:t>
+                        </m:r>
+                      </m:e>
+                      <m:sub>
+                        <m:r>
+                          <a:rPr lang="en-US" sz="2000" b="0" i="1" smtClean="0">
+                            <a:latin typeface="Cambria Math" panose="02040503050406030204" pitchFamily="18" charset="0"/>
+                          </a:rPr>
+                          <m:t>𝑘</m:t>
+                        </m:r>
+                        <m:r>
+                          <a:rPr lang="en-US" sz="2000" b="0" i="1" smtClean="0">
+                            <a:latin typeface="Cambria Math" panose="02040503050406030204" pitchFamily="18" charset="0"/>
+                          </a:rPr>
+                          <m:t>:</m:t>
+                        </m:r>
+                        <m:r>
+                          <a:rPr lang="en-US" sz="2000" b="0" i="1" smtClean="0">
+                            <a:latin typeface="Cambria Math" panose="02040503050406030204" pitchFamily="18" charset="0"/>
+                          </a:rPr>
+                          <m:t>𝑘</m:t>
+                        </m:r>
+                        <m:r>
+                          <a:rPr lang="en-US" sz="2000" b="0" i="1" smtClean="0">
+                            <a:latin typeface="Cambria Math" panose="02040503050406030204" pitchFamily="18" charset="0"/>
+                          </a:rPr>
+                          <m:t>+</m:t>
+                        </m:r>
+                        <m:r>
+                          <a:rPr lang="en-US" sz="2000" b="0" i="1" smtClean="0">
+                            <a:latin typeface="Cambria Math" panose="02040503050406030204" pitchFamily="18" charset="0"/>
+                          </a:rPr>
+                          <m:t>𝐿</m:t>
+                        </m:r>
+                        <m:r>
+                          <a:rPr lang="en-US" sz="2000" b="0" i="1" smtClean="0">
+                            <a:latin typeface="Cambria Math" panose="02040503050406030204" pitchFamily="18" charset="0"/>
+                          </a:rPr>
+                          <m:t>−</m:t>
+                        </m:r>
+                        <m:r>
+                          <a:rPr lang="en-US" sz="2000" b="0" i="1" smtClean="0">
+                            <a:latin typeface="Cambria Math" panose="02040503050406030204" pitchFamily="18" charset="0"/>
+                          </a:rPr>
+                          <m:t>1</m:t>
+                        </m:r>
+                      </m:sub>
+                    </m:sSub>
+                    <m:r>
+                      <a:rPr lang="en-US" sz="2000" b="0" i="0" smtClean="0">
+                        <a:latin typeface="Cambria Math" panose="02040503050406030204" pitchFamily="18" charset="0"/>
+                      </a:rPr>
+                      <m:t>,</m:t>
+                    </m:r>
+                  </m:oMath>
+                </a14:m>
+                <a:r>
+                  <a:rPr lang="en-US" sz="2000" dirty="0"/>
+                  <a:t> minimizing the objective function</a:t>
+                </a:r>
+              </a:p>
+              <a:p>
+                <a:pPr lvl="1"/>
+                <a:r>
+                  <a:rPr lang="en-US" sz="2000" dirty="0"/>
+                  <a:t>In the picture we can see illustration</a:t>
+                </a:r>
+              </a:p>
+              <a:p>
+                <a:pPr marL="457200" lvl="1" indent="0">
+                  <a:buNone/>
+                </a:pPr>
+                <a:r>
+                  <a:rPr lang="en-US" sz="2000" dirty="0"/>
+                  <a:t>    of  the dual-layer inference planning 	</a:t>
+                </a:r>
+              </a:p>
+              <a:p>
+                <a:pPr marL="457200" lvl="1" indent="0">
+                  <a:buNone/>
+                </a:pPr>
+                <a:r>
+                  <a:rPr lang="en-US" sz="2000" dirty="0"/>
+                  <a:t>    approach</a:t>
+                </a:r>
+              </a:p>
+              <a:p>
+                <a:pPr marL="457200" lvl="1" indent="0">
+                  <a:buNone/>
+                </a:pPr>
+                <a:endParaRPr lang="en-US" dirty="0"/>
+              </a:p>
+            </p:txBody>
+          </p:sp>
+        </mc:Choice>
+        <mc:Fallback>
+          <p:sp>
+            <p:nvSpPr>
+              <p:cNvPr id="3" name="Content Placeholder 2">
+                <a:extLst>
+                  <a:ext uri="{FF2B5EF4-FFF2-40B4-BE49-F238E27FC236}">
+                    <a16:creationId xmlns:a16="http://schemas.microsoft.com/office/drawing/2014/main" id="{AE791EB0-B81A-6640-E5E3-13F40A6910D6}"/>
+                  </a:ext>
+                </a:extLst>
+              </p:cNvPr>
+              <p:cNvSpPr>
+                <a:spLocks noGrp="1" noRot="1" noChangeAspect="1" noMove="1" noResize="1" noEditPoints="1" noAdjustHandles="1" noChangeArrowheads="1" noChangeShapeType="1" noTextEdit="1"/>
+              </p:cNvSpPr>
+              <p:nvPr>
+                <p:ph idx="1"/>
+              </p:nvPr>
+            </p:nvSpPr>
+            <p:spPr>
+              <a:xfrm>
+                <a:off x="838200" y="1419251"/>
+                <a:ext cx="10515600" cy="4351338"/>
+              </a:xfrm>
+              <a:blipFill>
+                <a:blip r:embed="rId2"/>
+                <a:stretch>
+                  <a:fillRect l="-1043" t="-2381" r="-928"/>
+                </a:stretch>
+              </a:blipFill>
+            </p:spPr>
+            <p:txBody>
+              <a:bodyPr/>
+              <a:lstStyle/>
+              <a:p>
+                <a:r>
+                  <a:rPr lang="en-IL">
+                    <a:noFill/>
+                  </a:rPr>
+                  <a:t> </a:t>
+                </a:r>
+              </a:p>
+            </p:txBody>
+          </p:sp>
+        </mc:Fallback>
+      </mc:AlternateContent>
+      <p:sp>
+        <p:nvSpPr>
+          <p:cNvPr id="4" name="Slide Number Placeholder 3">
+            <a:extLst>
+              <a:ext uri="{FF2B5EF4-FFF2-40B4-BE49-F238E27FC236}">
+                <a16:creationId xmlns:a16="http://schemas.microsoft.com/office/drawing/2014/main" id="{10437B19-405C-F642-0C4E-29F8BA56A77A}"/>
+              </a:ext>
+            </a:extLst>
+          </p:cNvPr>
+          <p:cNvSpPr>
+            <a:spLocks noGrp="1"/>
+          </p:cNvSpPr>
+          <p:nvPr>
+            <p:ph type="sldNum" sz="quarter" idx="12"/>
+          </p:nvPr>
+        </p:nvSpPr>
+        <p:spPr/>
+        <p:txBody>
+          <a:bodyPr/>
+          <a:lstStyle/>
+          <a:p>
+            <a:fld id="{16DBD0CC-423F-4B58-AFF5-83B6DD233671}" type="slidenum">
+              <a:rPr lang="en-IL" smtClean="0"/>
+              <a:t>11</a:t>
+            </a:fld>
+            <a:endParaRPr lang="en-IL"/>
+          </a:p>
+        </p:txBody>
+      </p:sp>
+      <p:pic>
+        <p:nvPicPr>
+          <p:cNvPr id="8" name="Picture 7">
+            <a:extLst>
+              <a:ext uri="{FF2B5EF4-FFF2-40B4-BE49-F238E27FC236}">
+                <a16:creationId xmlns:a16="http://schemas.microsoft.com/office/drawing/2014/main" id="{E4F29592-9F6E-5E79-2344-49F53E9DCE20}"/>
+              </a:ext>
+            </a:extLst>
+          </p:cNvPr>
+          <p:cNvPicPr>
+            <a:picLocks noChangeAspect="1"/>
+          </p:cNvPicPr>
+          <p:nvPr/>
+        </p:nvPicPr>
+        <p:blipFill>
+          <a:blip r:embed="rId3"/>
+          <a:stretch>
+            <a:fillRect/>
+          </a:stretch>
+        </p:blipFill>
+        <p:spPr>
+          <a:xfrm>
+            <a:off x="5410774" y="3214691"/>
+            <a:ext cx="6689785" cy="3414710"/>
+          </a:xfrm>
+          <a:prstGeom prst="rect">
+            <a:avLst/>
+          </a:prstGeom>
+        </p:spPr>
+      </p:pic>
+    </p:spTree>
+    <p:extLst>
+      <p:ext uri="{BB962C8B-B14F-4D97-AF65-F5344CB8AC3E}">
+        <p14:creationId xmlns:p14="http://schemas.microsoft.com/office/powerpoint/2010/main" val="980929841"/>
+      </p:ext>
+    </p:extLst>
+  </p:cSld>
+  <p:clrMapOvr>
+    <a:masterClrMapping/>
+  </p:clrMapOvr>
+</p:sld>
+</file>
+
+<file path=ppt/slides/slide12.xml><?xml version="1.0" encoding="utf-8"?>
+<p:sld xmlns:a="http://schemas.openxmlformats.org/drawingml/2006/main" xmlns:r="http://schemas.openxmlformats.org/officeDocument/2006/relationships" xmlns:p="http://schemas.openxmlformats.org/presentationml/2006/main">
+  <p:cSld>
+    <p:spTree>
+      <p:nvGrpSpPr>
+        <p:cNvPr id="1" name=""/>
+        <p:cNvGrpSpPr/>
+        <p:nvPr/>
+      </p:nvGrpSpPr>
+      <p:grpSpPr>
+        <a:xfrm>
+          <a:off x="0" y="0"/>
+          <a:ext cx="0" cy="0"/>
+          <a:chOff x="0" y="0"/>
+          <a:chExt cx="0" cy="0"/>
+        </a:xfrm>
+      </p:grpSpPr>
+      <p:sp>
+        <p:nvSpPr>
+          <p:cNvPr id="2" name="Title 1">
+            <a:extLst>
+              <a:ext uri="{FF2B5EF4-FFF2-40B4-BE49-F238E27FC236}">
+                <a16:creationId xmlns:a16="http://schemas.microsoft.com/office/drawing/2014/main" id="{B0F62B7F-8604-F308-B7C8-FE2D3B60D675}"/>
+              </a:ext>
+            </a:extLst>
+          </p:cNvPr>
+          <p:cNvSpPr>
+            <a:spLocks noGrp="1"/>
+          </p:cNvSpPr>
+          <p:nvPr>
+            <p:ph type="title"/>
+          </p:nvPr>
+        </p:nvSpPr>
+        <p:spPr/>
+        <p:txBody>
+          <a:bodyPr/>
+          <a:lstStyle/>
+          <a:p>
+            <a:endParaRPr lang="en-IL"/>
+          </a:p>
+        </p:txBody>
+      </p:sp>
+      <p:sp>
+        <p:nvSpPr>
+          <p:cNvPr id="3" name="Content Placeholder 2">
+            <a:extLst>
+              <a:ext uri="{FF2B5EF4-FFF2-40B4-BE49-F238E27FC236}">
+                <a16:creationId xmlns:a16="http://schemas.microsoft.com/office/drawing/2014/main" id="{13A682E0-A244-E257-2FA8-0B09D03215E7}"/>
+              </a:ext>
+            </a:extLst>
+          </p:cNvPr>
+          <p:cNvSpPr>
+            <a:spLocks noGrp="1"/>
+          </p:cNvSpPr>
+          <p:nvPr>
+            <p:ph idx="1"/>
+          </p:nvPr>
+        </p:nvSpPr>
+        <p:spPr/>
+        <p:txBody>
+          <a:bodyPr/>
+          <a:lstStyle/>
+          <a:p>
+            <a:endParaRPr lang="en-IL"/>
+          </a:p>
+        </p:txBody>
+      </p:sp>
+      <p:sp>
+        <p:nvSpPr>
+          <p:cNvPr id="4" name="Slide Number Placeholder 3">
+            <a:extLst>
+              <a:ext uri="{FF2B5EF4-FFF2-40B4-BE49-F238E27FC236}">
+                <a16:creationId xmlns:a16="http://schemas.microsoft.com/office/drawing/2014/main" id="{F6F4FF17-8CCF-DFBD-731F-875C2D202840}"/>
+              </a:ext>
+            </a:extLst>
+          </p:cNvPr>
+          <p:cNvSpPr>
+            <a:spLocks noGrp="1"/>
+          </p:cNvSpPr>
+          <p:nvPr>
+            <p:ph type="sldNum" sz="quarter" idx="12"/>
+          </p:nvPr>
+        </p:nvSpPr>
+        <p:spPr/>
+        <p:txBody>
+          <a:bodyPr/>
+          <a:lstStyle/>
+          <a:p>
+            <a:fld id="{16DBD0CC-423F-4B58-AFF5-83B6DD233671}" type="slidenum">
+              <a:rPr lang="en-IL" smtClean="0"/>
+              <a:t>12</a:t>
+            </a:fld>
+            <a:endParaRPr lang="en-IL"/>
+          </a:p>
+        </p:txBody>
+      </p:sp>
+    </p:spTree>
+    <p:extLst>
+      <p:ext uri="{BB962C8B-B14F-4D97-AF65-F5344CB8AC3E}">
+        <p14:creationId xmlns:p14="http://schemas.microsoft.com/office/powerpoint/2010/main" val="3977117326"/>
+      </p:ext>
+    </p:extLst>
+  </p:cSld>
+  <p:clrMapOvr>
+    <a:masterClrMapping/>
+  </p:clrMapOvr>
+</p:sld>
+</file>
+
 <file path=ppt/slides/slide2.xml><?xml version="1.0" encoding="utf-8"?>
 <p:sld xmlns:a="http://schemas.openxmlformats.org/drawingml/2006/main" xmlns:r="http://schemas.openxmlformats.org/officeDocument/2006/relationships" xmlns:p="http://schemas.openxmlformats.org/presentationml/2006/main">
   <p:cSld>
@@ -4223,8 +4965,8 @@
         </p:blipFill>
         <p:spPr>
           <a:xfrm>
-            <a:off x="647700" y="3264881"/>
-            <a:ext cx="4495800" cy="2762250"/>
+            <a:off x="-1901" y="3429000"/>
+            <a:ext cx="2077212" cy="1276253"/>
           </a:xfrm>
           <a:prstGeom prst="rect">
             <a:avLst/>
@@ -5033,8 +5775,8 @@
           </a:p>
         </p:txBody>
       </p:sp>
-      <mc:AlternateContent xmlns:mc="http://schemas.openxmlformats.org/markup-compatibility/2006">
-        <mc:Choice xmlns:a14="http://schemas.microsoft.com/office/drawing/2010/main" Requires="a14">
+      <mc:AlternateContent xmlns:mc="http://schemas.openxmlformats.org/markup-compatibility/2006" xmlns:a14="http://schemas.microsoft.com/office/drawing/2010/main">
+        <mc:Choice Requires="a14">
           <p:sp>
             <p:nvSpPr>
               <p:cNvPr id="3" name="Content Placeholder 2">
@@ -5206,7 +5948,13 @@
                           <a:rPr lang="en-US" b="0" i="1" u="none" strike="noStrike" smtClean="0">
                             <a:latin typeface="Cambria Math" panose="02040503050406030204" pitchFamily="18" charset="0"/>
                           </a:rPr>
-                          <m:t>−1</m:t>
+                          <m:t>−</m:t>
+                        </m:r>
+                        <m:r>
+                          <a:rPr lang="en-US" b="0" i="1" u="none" strike="noStrike" smtClean="0">
+                            <a:latin typeface="Cambria Math" panose="02040503050406030204" pitchFamily="18" charset="0"/>
+                          </a:rPr>
+                          <m:t>1</m:t>
                         </m:r>
                       </m:sub>
                     </m:sSub>
@@ -5547,7 +6295,7 @@
             </p:txBody>
           </p:sp>
         </mc:Choice>
-        <mc:Fallback>
+        <mc:Fallback xmlns="">
           <p:sp>
             <p:nvSpPr>
               <p:cNvPr id="3" name="Content Placeholder 2">
@@ -5740,8 +6488,8 @@
           </a:p>
         </p:txBody>
       </p:sp>
-      <mc:AlternateContent xmlns:mc="http://schemas.openxmlformats.org/markup-compatibility/2006">
-        <mc:Choice xmlns:a14="http://schemas.microsoft.com/office/drawing/2010/main" Requires="a14">
+      <mc:AlternateContent xmlns:mc="http://schemas.openxmlformats.org/markup-compatibility/2006" xmlns:a14="http://schemas.microsoft.com/office/drawing/2010/main">
+        <mc:Choice Requires="a14">
           <p:sp>
             <p:nvSpPr>
               <p:cNvPr id="3" name="Content Placeholder 2">
@@ -5963,7 +6711,7 @@
             </p:txBody>
           </p:sp>
         </mc:Choice>
-        <mc:Fallback>
+        <mc:Fallback xmlns="">
           <p:sp>
             <p:nvSpPr>
               <p:cNvPr id="3" name="Content Placeholder 2">
@@ -6118,35 +6866,239 @@
           <a:bodyPr/>
           <a:lstStyle/>
           <a:p>
+            <a:pPr algn="ctr"/>
+            <a:r>
+              <a:rPr lang="en-US" dirty="0"/>
+              <a:t>Planning in the GBS</a:t>
+            </a:r>
             <a:endParaRPr lang="en-IL" dirty="0"/>
           </a:p>
         </p:txBody>
       </p:sp>
-      <p:sp>
-        <p:nvSpPr>
-          <p:cNvPr id="3" name="Content Placeholder 2">
-            <a:extLst>
-              <a:ext uri="{FF2B5EF4-FFF2-40B4-BE49-F238E27FC236}">
-                <a16:creationId xmlns:a16="http://schemas.microsoft.com/office/drawing/2014/main" id="{59606069-A92F-6828-6EB6-9DDA417C2F32}"/>
-              </a:ext>
-            </a:extLst>
-          </p:cNvPr>
-          <p:cNvSpPr>
-            <a:spLocks noGrp="1"/>
-          </p:cNvSpPr>
-          <p:nvPr>
-            <p:ph idx="1"/>
-          </p:nvPr>
-        </p:nvSpPr>
-        <p:spPr/>
-        <p:txBody>
-          <a:bodyPr/>
-          <a:lstStyle/>
-          <a:p>
-            <a:endParaRPr lang="en-IL" dirty="0"/>
-          </a:p>
-        </p:txBody>
-      </p:sp>
+      <mc:AlternateContent xmlns:mc="http://schemas.openxmlformats.org/markup-compatibility/2006" xmlns:a14="http://schemas.microsoft.com/office/drawing/2010/main">
+        <mc:Choice Requires="a14">
+          <p:sp>
+            <p:nvSpPr>
+              <p:cNvPr id="3" name="Content Placeholder 2">
+                <a:extLst>
+                  <a:ext uri="{FF2B5EF4-FFF2-40B4-BE49-F238E27FC236}">
+                    <a16:creationId xmlns:a16="http://schemas.microsoft.com/office/drawing/2014/main" id="{59606069-A92F-6828-6EB6-9DDA417C2F32}"/>
+                  </a:ext>
+                </a:extLst>
+              </p:cNvPr>
+              <p:cNvSpPr>
+                <a:spLocks noGrp="1"/>
+              </p:cNvSpPr>
+              <p:nvPr>
+                <p:ph idx="1"/>
+              </p:nvPr>
+            </p:nvSpPr>
+            <p:spPr/>
+            <p:txBody>
+              <a:bodyPr>
+                <a:normAutofit/>
+              </a:bodyPr>
+              <a:lstStyle/>
+              <a:p>
+                <a:r>
+                  <a:rPr lang="en-US" dirty="0"/>
+                  <a:t>The problem addressed in the paper is to find the optimal control policy:</a:t>
+                </a:r>
+              </a:p>
+              <a:p>
+                <a:endParaRPr lang="en-US" dirty="0"/>
+              </a:p>
+              <a:p>
+                <a:endParaRPr lang="en-US" dirty="0"/>
+              </a:p>
+              <a:p>
+                <a:endParaRPr lang="en-US" dirty="0"/>
+              </a:p>
+              <a:p>
+                <a:r>
+                  <a:rPr lang="en-US" dirty="0"/>
+                  <a:t>Calculating the optimal control policy involves the optimization of the objective function </a:t>
+                </a:r>
+                <a14:m>
+                  <m:oMath xmlns:m="http://schemas.openxmlformats.org/officeDocument/2006/math">
+                    <m:sSub>
+                      <m:sSubPr>
+                        <m:ctrlPr>
+                          <a:rPr lang="en-US" b="0" i="1" smtClean="0">
+                            <a:latin typeface="Cambria Math" panose="02040503050406030204" pitchFamily="18" charset="0"/>
+                          </a:rPr>
+                        </m:ctrlPr>
+                      </m:sSubPr>
+                      <m:e>
+                        <m:r>
+                          <a:rPr lang="en-US" b="0" i="1" smtClean="0">
+                            <a:latin typeface="Cambria Math" panose="02040503050406030204" pitchFamily="18" charset="0"/>
+                          </a:rPr>
+                          <m:t>𝐽</m:t>
+                        </m:r>
+                      </m:e>
+                      <m:sub>
+                        <m:r>
+                          <a:rPr lang="en-US" b="0" i="1" smtClean="0">
+                            <a:latin typeface="Cambria Math" panose="02040503050406030204" pitchFamily="18" charset="0"/>
+                          </a:rPr>
+                          <m:t>𝑘</m:t>
+                        </m:r>
+                      </m:sub>
+                    </m:sSub>
+                    <m:d>
+                      <m:dPr>
+                        <m:ctrlPr>
+                          <a:rPr lang="en-US" b="0" i="1" smtClean="0">
+                            <a:latin typeface="Cambria Math" panose="02040503050406030204" pitchFamily="18" charset="0"/>
+                          </a:rPr>
+                        </m:ctrlPr>
+                      </m:dPr>
+                      <m:e>
+                        <m:sSub>
+                          <m:sSubPr>
+                            <m:ctrlPr>
+                              <a:rPr lang="en-US" b="0" i="1" smtClean="0">
+                                <a:latin typeface="Cambria Math" panose="02040503050406030204" pitchFamily="18" charset="0"/>
+                              </a:rPr>
+                            </m:ctrlPr>
+                          </m:sSubPr>
+                          <m:e>
+                            <m:r>
+                              <m:rPr>
+                                <m:sty m:val="p"/>
+                              </m:rPr>
+                              <a:rPr lang="en-US" b="0" i="0" smtClean="0">
+                                <a:latin typeface="Cambria Math" panose="02040503050406030204" pitchFamily="18" charset="0"/>
+                              </a:rPr>
+                              <m:t>u</m:t>
+                            </m:r>
+                          </m:e>
+                          <m:sub>
+                            <m:r>
+                              <m:rPr>
+                                <m:sty m:val="p"/>
+                              </m:rPr>
+                              <a:rPr lang="en-US" b="0" i="0" smtClean="0">
+                                <a:latin typeface="Cambria Math" panose="02040503050406030204" pitchFamily="18" charset="0"/>
+                              </a:rPr>
+                              <m:t>k</m:t>
+                            </m:r>
+                            <m:r>
+                              <a:rPr lang="en-US" b="0" i="0" smtClean="0">
+                                <a:latin typeface="Cambria Math" panose="02040503050406030204" pitchFamily="18" charset="0"/>
+                              </a:rPr>
+                              <m:t>:</m:t>
+                            </m:r>
+                            <m:r>
+                              <m:rPr>
+                                <m:sty m:val="p"/>
+                              </m:rPr>
+                              <a:rPr lang="en-US" b="0" i="0" smtClean="0">
+                                <a:latin typeface="Cambria Math" panose="02040503050406030204" pitchFamily="18" charset="0"/>
+                              </a:rPr>
+                              <m:t>k</m:t>
+                            </m:r>
+                            <m:r>
+                              <a:rPr lang="en-US" b="0" i="0" smtClean="0">
+                                <a:latin typeface="Cambria Math" panose="02040503050406030204" pitchFamily="18" charset="0"/>
+                              </a:rPr>
+                              <m:t>+</m:t>
+                            </m:r>
+                            <m:r>
+                              <m:rPr>
+                                <m:sty m:val="p"/>
+                              </m:rPr>
+                              <a:rPr lang="en-US" b="0" i="0" smtClean="0">
+                                <a:latin typeface="Cambria Math" panose="02040503050406030204" pitchFamily="18" charset="0"/>
+                              </a:rPr>
+                              <m:t>L</m:t>
+                            </m:r>
+                            <m:r>
+                              <a:rPr lang="en-US" b="0" i="0" smtClean="0">
+                                <a:latin typeface="Cambria Math" panose="02040503050406030204" pitchFamily="18" charset="0"/>
+                              </a:rPr>
+                              <m:t>−</m:t>
+                            </m:r>
+                            <m:r>
+                              <a:rPr lang="en-US" b="0" i="0" smtClean="0">
+                                <a:latin typeface="Cambria Math" panose="02040503050406030204" pitchFamily="18" charset="0"/>
+                              </a:rPr>
+                              <m:t>1</m:t>
+                            </m:r>
+                          </m:sub>
+                        </m:sSub>
+                      </m:e>
+                    </m:d>
+                    <m:r>
+                      <a:rPr lang="en-US" b="0" i="0" smtClean="0">
+                        <a:latin typeface="Cambria Math" panose="02040503050406030204" pitchFamily="18" charset="0"/>
+                      </a:rPr>
+                      <m:t>.</m:t>
+                    </m:r>
+                  </m:oMath>
+                </a14:m>
+                <a:endParaRPr lang="en-US" b="0" dirty="0"/>
+              </a:p>
+              <a:p>
+                <a:pPr marL="0" indent="0">
+                  <a:buNone/>
+                </a:pPr>
+                <a:endParaRPr lang="en-US" dirty="0"/>
+              </a:p>
+              <a:p>
+                <a:pPr marL="0" indent="0">
+                  <a:buNone/>
+                </a:pPr>
+                <a:r>
+                  <a:rPr lang="en-US" dirty="0"/>
+                  <a:t>	</a:t>
+                </a:r>
+                <a:endParaRPr lang="en-IL" dirty="0"/>
+              </a:p>
+            </p:txBody>
+          </p:sp>
+        </mc:Choice>
+        <mc:Fallback xmlns="">
+          <p:sp>
+            <p:nvSpPr>
+              <p:cNvPr id="3" name="Content Placeholder 2">
+                <a:extLst>
+                  <a:ext uri="{FF2B5EF4-FFF2-40B4-BE49-F238E27FC236}">
+                    <a16:creationId xmlns:a16="http://schemas.microsoft.com/office/drawing/2014/main" id="{59606069-A92F-6828-6EB6-9DDA417C2F32}"/>
+                  </a:ext>
+                </a:extLst>
+              </p:cNvPr>
+              <p:cNvSpPr>
+                <a:spLocks noGrp="1" noRot="1" noChangeAspect="1" noMove="1" noResize="1" noEditPoints="1" noAdjustHandles="1" noChangeArrowheads="1" noChangeShapeType="1" noTextEdit="1"/>
+              </p:cNvSpPr>
+              <p:nvPr>
+                <p:ph idx="1"/>
+              </p:nvPr>
+            </p:nvSpPr>
+            <p:spPr>
+              <a:blipFill>
+                <a:blip r:embed="rId2"/>
+                <a:stretch>
+                  <a:fillRect l="-1043" t="-2241" r="-1043"/>
+                </a:stretch>
+              </a:blipFill>
+            </p:spPr>
+            <p:txBody>
+              <a:bodyPr/>
+              <a:lstStyle/>
+              <a:p>
+                <a:r>
+                  <a:rPr lang="en-IL">
+                    <a:noFill/>
+                  </a:rPr>
+                  <a:t> </a:t>
+                </a:r>
+              </a:p>
+            </p:txBody>
+          </p:sp>
+        </mc:Fallback>
+      </mc:AlternateContent>
       <p:sp>
         <p:nvSpPr>
           <p:cNvPr id="4" name="Slide Number Placeholder 3">
@@ -6176,6 +7128,36 @@
           </a:p>
         </p:txBody>
       </p:sp>
+      <p:pic>
+        <p:nvPicPr>
+          <p:cNvPr id="6" name="Picture 5">
+            <a:extLst>
+              <a:ext uri="{FF2B5EF4-FFF2-40B4-BE49-F238E27FC236}">
+                <a16:creationId xmlns:a16="http://schemas.microsoft.com/office/drawing/2014/main" id="{7261425E-4682-17CF-1610-4A1601646B8C}"/>
+              </a:ext>
+            </a:extLst>
+          </p:cNvPr>
+          <p:cNvPicPr>
+            <a:picLocks noChangeAspect="1"/>
+          </p:cNvPicPr>
+          <p:nvPr/>
+        </p:nvPicPr>
+        <p:blipFill>
+          <a:blip r:embed="rId3"/>
+          <a:stretch>
+            <a:fillRect/>
+          </a:stretch>
+        </p:blipFill>
+        <p:spPr>
+          <a:xfrm>
+            <a:off x="1163559" y="3090364"/>
+            <a:ext cx="9457957" cy="928053"/>
+          </a:xfrm>
+          <a:prstGeom prst="rect">
+            <a:avLst/>
+          </a:prstGeom>
+        </p:spPr>
+      </p:pic>
     </p:spTree>
     <p:extLst>
       <p:ext uri="{BB962C8B-B14F-4D97-AF65-F5344CB8AC3E}">
